--- a/Lectures/Week06/Lecture10.pptx
+++ b/Lectures/Week06/Lecture10.pptx
@@ -5524,8 +5524,8 @@
           <a:chExt cx="0" cy="0"/>
         </a:xfrm>
       </p:grpSpPr>
-      <mc:AlternateContent xmlns:mc="http://schemas.openxmlformats.org/markup-compatibility/2006" xmlns:a14="http://schemas.microsoft.com/office/drawing/2010/main">
-        <mc:Choice Requires="a14">
+      <mc:AlternateContent xmlns:mc="http://schemas.openxmlformats.org/markup-compatibility/2006">
+        <mc:Choice xmlns:a14="http://schemas.microsoft.com/office/drawing/2010/main" Requires="a14">
           <p:sp>
             <p:nvSpPr>
               <p:cNvPr id="3" name="Content Placeholder 2">
@@ -5556,7 +5556,7 @@
                       <a:srgbClr val="0033CC"/>
                     </a:solidFill>
                   </a:rPr>
-                  <a:t>Assignment 2</a:t>
+                  <a:t>Assignment</a:t>
                 </a:r>
               </a:p>
               <a:p>
@@ -5739,7 +5739,7 @@
                 </a:pPr>
                 <a:r>
                   <a:rPr lang="en-US" dirty="0"/>
-                  <a:t>over an infinite about of data, where </a:t>
+                  <a:t>over an infinite amount of data, where </a:t>
                 </a:r>
                 <a14:m>
                   <m:oMath xmlns:m="http://schemas.openxmlformats.org/officeDocument/2006/math">
@@ -5759,31 +5759,56 @@
                         </a:solidFill>
                         <a:latin typeface="Cambria Math" panose="02040503050406030204" pitchFamily="18" charset="0"/>
                       </a:rPr>
-                      <m:t>∈[0,…,</m:t>
+                      <m:t>∈</m:t>
                     </m:r>
-                    <m:r>
-                      <a:rPr lang="en-US" b="0" i="1" smtClean="0">
-                        <a:solidFill>
-                          <a:srgbClr val="0033CC"/>
-                        </a:solidFill>
-                        <a:latin typeface="Cambria Math" panose="02040503050406030204" pitchFamily="18" charset="0"/>
-                      </a:rPr>
-                      <m:t>𝐾</m:t>
-                    </m:r>
-                    <m:r>
-                      <a:rPr lang="en-US" b="0" i="1" smtClean="0">
-                        <a:solidFill>
-                          <a:srgbClr val="0033CC"/>
-                        </a:solidFill>
-                        <a:latin typeface="Cambria Math" panose="02040503050406030204" pitchFamily="18" charset="0"/>
-                      </a:rPr>
-                      <m:t>−1]</m:t>
-                    </m:r>
+                    <m:d>
+                      <m:dPr>
+                        <m:begChr m:val="["/>
+                        <m:endChr m:val="]"/>
+                        <m:ctrlPr>
+                          <a:rPr lang="en-US" b="0" i="1" smtClean="0">
+                            <a:solidFill>
+                              <a:srgbClr val="0033CC"/>
+                            </a:solidFill>
+                            <a:latin typeface="Cambria Math" panose="02040503050406030204" pitchFamily="18" charset="0"/>
+                          </a:rPr>
+                        </m:ctrlPr>
+                      </m:dPr>
+                      <m:e>
+                        <m:r>
+                          <a:rPr lang="en-US" b="0" i="1" smtClean="0">
+                            <a:solidFill>
+                              <a:srgbClr val="0033CC"/>
+                            </a:solidFill>
+                            <a:latin typeface="Cambria Math" panose="02040503050406030204" pitchFamily="18" charset="0"/>
+                          </a:rPr>
+                          <m:t>0,…,</m:t>
+                        </m:r>
+                        <m:r>
+                          <a:rPr lang="en-US" b="0" i="1" smtClean="0">
+                            <a:solidFill>
+                              <a:srgbClr val="0033CC"/>
+                            </a:solidFill>
+                            <a:latin typeface="Cambria Math" panose="02040503050406030204" pitchFamily="18" charset="0"/>
+                          </a:rPr>
+                          <m:t>𝐾</m:t>
+                        </m:r>
+                        <m:r>
+                          <a:rPr lang="en-US" b="0" i="1" smtClean="0">
+                            <a:solidFill>
+                              <a:srgbClr val="0033CC"/>
+                            </a:solidFill>
+                            <a:latin typeface="Cambria Math" panose="02040503050406030204" pitchFamily="18" charset="0"/>
+                          </a:rPr>
+                          <m:t>−1</m:t>
+                        </m:r>
+                      </m:e>
+                    </m:d>
                   </m:oMath>
                 </a14:m>
                 <a:r>
                   <a:rPr lang="en-US" b="0" dirty="0"/>
-                  <a:t> yields </a:t>
+                  <a:t>, yields </a:t>
                 </a:r>
                 <a:br>
                   <a:rPr lang="en-US" b="0" dirty="0"/>
@@ -6071,7 +6096,7 @@
             </p:txBody>
           </p:sp>
         </mc:Choice>
-        <mc:Fallback xmlns="">
+        <mc:Fallback>
           <p:sp>
             <p:nvSpPr>
               <p:cNvPr id="3" name="Content Placeholder 2">
@@ -6092,7 +6117,7 @@
               <a:blipFill>
                 <a:blip r:embed="rId2"/>
                 <a:stretch>
-                  <a:fillRect l="-1309" t="-1316" r="-982" b="-3158"/>
+                  <a:fillRect l="-1309" t="-1316" b="-10789"/>
                 </a:stretch>
               </a:blipFill>
             </p:spPr>
@@ -15721,7 +15746,7 @@
                   <a:srgbClr val="0033CC"/>
                 </a:solidFill>
               </a:rPr>
-              <a:t>Dataset </a:t>
+              <a:t>Data set </a:t>
             </a:r>
           </a:p>
           <a:p>
@@ -15731,7 +15756,7 @@
             </a:pPr>
             <a:r>
               <a:rPr lang="en-US" dirty="0"/>
-              <a:t>We’ll use a subset comprising </a:t>
+              <a:t>Our data set comprises </a:t>
             </a:r>
             <a:r>
               <a:rPr lang="en-US" dirty="0">
@@ -16514,8 +16539,8 @@
           <a:chExt cx="0" cy="0"/>
         </a:xfrm>
       </p:grpSpPr>
-      <mc:AlternateContent xmlns:mc="http://schemas.openxmlformats.org/markup-compatibility/2006" xmlns:a14="http://schemas.microsoft.com/office/drawing/2010/main">
-        <mc:Choice Requires="a14">
+      <mc:AlternateContent xmlns:mc="http://schemas.openxmlformats.org/markup-compatibility/2006">
+        <mc:Choice xmlns:a14="http://schemas.microsoft.com/office/drawing/2010/main" Requires="a14">
           <p:sp>
             <p:nvSpPr>
               <p:cNvPr id="3" name="Content Placeholder 2">
@@ -16827,10 +16852,10 @@
                         </a:solidFill>
                         <a:latin typeface="Cambria Math" panose="02040503050406030204" pitchFamily="18" charset="0"/>
                       </a:rPr>
-                      <m:t>𝑞</m:t>
+                      <m:t>𝑓</m:t>
                     </m:r>
                     <m:r>
-                      <a:rPr lang="en-US" i="1">
+                      <a:rPr lang="en-US" b="0" i="1" smtClean="0">
                         <a:solidFill>
                           <a:srgbClr val="0033CC"/>
                         </a:solidFill>
@@ -17103,7 +17128,7 @@
             </p:txBody>
           </p:sp>
         </mc:Choice>
-        <mc:Fallback xmlns="">
+        <mc:Fallback>
           <p:sp>
             <p:nvSpPr>
               <p:cNvPr id="3" name="Content Placeholder 2">
@@ -17181,183 +17206,6 @@
   <p:clrMapOvr>
     <a:masterClrMapping/>
   </p:clrMapOvr>
-  <p:timing>
-    <p:tnLst>
-      <p:par>
-        <p:cTn id="1" dur="indefinite" restart="never" nodeType="tmRoot">
-          <p:childTnLst>
-            <p:seq concurrent="1" nextAc="seek">
-              <p:cTn id="2" dur="indefinite" nodeType="mainSeq">
-                <p:childTnLst>
-                  <p:par>
-                    <p:cTn id="3" fill="hold">
-                      <p:stCondLst>
-                        <p:cond delay="indefinite"/>
-                      </p:stCondLst>
-                      <p:childTnLst>
-                        <p:par>
-                          <p:cTn id="4" fill="hold">
-                            <p:stCondLst>
-                              <p:cond delay="0"/>
-                            </p:stCondLst>
-                            <p:childTnLst>
-                              <p:par>
-                                <p:cTn id="5" presetID="10" presetClass="entr" presetSubtype="0" fill="hold" nodeType="clickEffect">
-                                  <p:stCondLst>
-                                    <p:cond delay="0"/>
-                                  </p:stCondLst>
-                                  <p:childTnLst>
-                                    <p:set>
-                                      <p:cBhvr>
-                                        <p:cTn id="6" dur="1" fill="hold">
-                                          <p:stCondLst>
-                                            <p:cond delay="0"/>
-                                          </p:stCondLst>
-                                        </p:cTn>
-                                        <p:tgtEl>
-                                          <p:spTgt spid="3">
-                                            <p:txEl>
-                                              <p:pRg st="3" end="3"/>
-                                            </p:txEl>
-                                          </p:spTgt>
-                                        </p:tgtEl>
-                                        <p:attrNameLst>
-                                          <p:attrName>style.visibility</p:attrName>
-                                        </p:attrNameLst>
-                                      </p:cBhvr>
-                                      <p:to>
-                                        <p:strVal val="visible"/>
-                                      </p:to>
-                                    </p:set>
-                                    <p:animEffect transition="in" filter="fade">
-                                      <p:cBhvr>
-                                        <p:cTn id="7" dur="500"/>
-                                        <p:tgtEl>
-                                          <p:spTgt spid="3">
-                                            <p:txEl>
-                                              <p:pRg st="3" end="3"/>
-                                            </p:txEl>
-                                          </p:spTgt>
-                                        </p:tgtEl>
-                                      </p:cBhvr>
-                                    </p:animEffect>
-                                  </p:childTnLst>
-                                </p:cTn>
-                              </p:par>
-                              <p:par>
-                                <p:cTn id="8" presetID="10" presetClass="entr" presetSubtype="0" fill="hold" nodeType="withEffect">
-                                  <p:stCondLst>
-                                    <p:cond delay="0"/>
-                                  </p:stCondLst>
-                                  <p:childTnLst>
-                                    <p:set>
-                                      <p:cBhvr>
-                                        <p:cTn id="9" dur="1" fill="hold">
-                                          <p:stCondLst>
-                                            <p:cond delay="0"/>
-                                          </p:stCondLst>
-                                        </p:cTn>
-                                        <p:tgtEl>
-                                          <p:spTgt spid="3">
-                                            <p:txEl>
-                                              <p:pRg st="4" end="4"/>
-                                            </p:txEl>
-                                          </p:spTgt>
-                                        </p:tgtEl>
-                                        <p:attrNameLst>
-                                          <p:attrName>style.visibility</p:attrName>
-                                        </p:attrNameLst>
-                                      </p:cBhvr>
-                                      <p:to>
-                                        <p:strVal val="visible"/>
-                                      </p:to>
-                                    </p:set>
-                                    <p:animEffect transition="in" filter="fade">
-                                      <p:cBhvr>
-                                        <p:cTn id="10" dur="500"/>
-                                        <p:tgtEl>
-                                          <p:spTgt spid="3">
-                                            <p:txEl>
-                                              <p:pRg st="4" end="4"/>
-                                            </p:txEl>
-                                          </p:spTgt>
-                                        </p:tgtEl>
-                                      </p:cBhvr>
-                                    </p:animEffect>
-                                  </p:childTnLst>
-                                </p:cTn>
-                              </p:par>
-                              <p:par>
-                                <p:cTn id="11" presetID="10" presetClass="entr" presetSubtype="0" fill="hold" nodeType="withEffect">
-                                  <p:stCondLst>
-                                    <p:cond delay="0"/>
-                                  </p:stCondLst>
-                                  <p:childTnLst>
-                                    <p:set>
-                                      <p:cBhvr>
-                                        <p:cTn id="12" dur="1" fill="hold">
-                                          <p:stCondLst>
-                                            <p:cond delay="0"/>
-                                          </p:stCondLst>
-                                        </p:cTn>
-                                        <p:tgtEl>
-                                          <p:spTgt spid="3">
-                                            <p:txEl>
-                                              <p:pRg st="5" end="5"/>
-                                            </p:txEl>
-                                          </p:spTgt>
-                                        </p:tgtEl>
-                                        <p:attrNameLst>
-                                          <p:attrName>style.visibility</p:attrName>
-                                        </p:attrNameLst>
-                                      </p:cBhvr>
-                                      <p:to>
-                                        <p:strVal val="visible"/>
-                                      </p:to>
-                                    </p:set>
-                                    <p:animEffect transition="in" filter="fade">
-                                      <p:cBhvr>
-                                        <p:cTn id="13" dur="500"/>
-                                        <p:tgtEl>
-                                          <p:spTgt spid="3">
-                                            <p:txEl>
-                                              <p:pRg st="5" end="5"/>
-                                            </p:txEl>
-                                          </p:spTgt>
-                                        </p:tgtEl>
-                                      </p:cBhvr>
-                                    </p:animEffect>
-                                  </p:childTnLst>
-                                </p:cTn>
-                              </p:par>
-                            </p:childTnLst>
-                          </p:cTn>
-                        </p:par>
-                      </p:childTnLst>
-                    </p:cTn>
-                  </p:par>
-                </p:childTnLst>
-              </p:cTn>
-              <p:prevCondLst>
-                <p:cond evt="onPrev" delay="0">
-                  <p:tgtEl>
-                    <p:sldTgt/>
-                  </p:tgtEl>
-                </p:cond>
-              </p:prevCondLst>
-              <p:nextCondLst>
-                <p:cond evt="onNext" delay="0">
-                  <p:tgtEl>
-                    <p:sldTgt/>
-                  </p:tgtEl>
-                </p:cond>
-              </p:nextCondLst>
-            </p:seq>
-          </p:childTnLst>
-        </p:cTn>
-      </p:par>
-    </p:tnLst>
-  </p:timing>
 </p:sld>
 </file>
 
